--- a/MOVIE TICKET BOOKING SYSTEM.pptx
+++ b/MOVIE TICKET BOOKING SYSTEM.pptx
@@ -3041,6 +3041,7 @@
         <p:txBody>
           <a:bodyPr/>
           <a:p>
+            <a:pPr algn="ctr"/>
             <a:r>
               <a:rPr lang="en-US" sz="4000">
                 <a:latin typeface="Times New Roman" panose="02020603050405020304" charset="0"/>
@@ -3185,6 +3186,7 @@
         <p:txBody>
           <a:bodyPr/>
           <a:p>
+            <a:pPr algn="ctr"/>
             <a:r>
               <a:rPr lang="en-US" sz="4000">
                 <a:latin typeface="Times New Roman" panose="02020603050405020304" charset="0"/>
@@ -3295,6 +3297,7 @@
         <p:txBody>
           <a:bodyPr/>
           <a:p>
+            <a:pPr algn="ctr"/>
             <a:r>
               <a:rPr lang="en-US">
                 <a:latin typeface="Times New Roman" panose="02020603050405020304" charset="0"/>
@@ -3518,6 +3521,7 @@
         <p:txBody>
           <a:bodyPr/>
           <a:p>
+            <a:pPr algn="ctr"/>
             <a:r>
               <a:rPr lang="en-US" sz="2800">
                 <a:latin typeface="Times New Roman" panose="02020603050405020304" charset="0"/>
@@ -3662,6 +3666,7 @@
         <p:txBody>
           <a:bodyPr/>
           <a:p>
+            <a:pPr algn="ctr"/>
             <a:r>
               <a:rPr lang="en-US" sz="4000">
                 <a:latin typeface="Times New Roman" panose="02020603050405020304" charset="0"/>
